--- a/Presentation.pptx
+++ b/Presentation.pptx
@@ -19254,7 +19254,7 @@
             </a:pPr>
             <a:r>
               <a:rPr lang="en-US" dirty="0"/>
-              <a:t>Everyone who got a paid ticket – 174 people in total! A new record!</a:t>
+              <a:t>Everyone who got a paid ticket – 117 people in total! Thank you!</a:t>
             </a:r>
           </a:p>
           <a:p>
@@ -19269,11 +19269,23 @@
             </a:r>
             <a:r>
               <a:rPr lang="en-GB" b="1" dirty="0"/>
-              <a:t>Pavel Kolev </a:t>
-            </a:r>
-            <a:r>
-              <a:rPr lang="en-US" dirty="0"/>
-              <a:t>- €25! Thank you, man! &lt;3 </a:t>
+              <a:t>Nikolay </a:t>
+            </a:r>
+            <a:r>
+              <a:rPr lang="en-GB" b="1" dirty="0" err="1"/>
+              <a:t>Kumanov</a:t>
+            </a:r>
+            <a:r>
+              <a:rPr lang="en-US" dirty="0"/>
+              <a:t>– </a:t>
+            </a:r>
+            <a:r>
+              <a:rPr lang="en-US" b="1" dirty="0"/>
+              <a:t>25 BGN</a:t>
+            </a:r>
+            <a:r>
+              <a:rPr lang="en-US" dirty="0"/>
+              <a:t>! Thank you, man! &lt;3 </a:t>
             </a:r>
           </a:p>
           <a:p>
@@ -19284,7 +19296,85 @@
             </a:pPr>
             <a:r>
               <a:rPr lang="en-US" sz="1800" dirty="0"/>
-              <a:t>Personal thanks to –</a:t>
+              <a:t>Personal thanks to – </a:t>
+            </a:r>
+            <a:r>
+              <a:rPr lang="bg-BG" sz="1800" b="1" dirty="0"/>
+              <a:t>Борислав, Михаил, </a:t>
+            </a:r>
+            <a:r>
+              <a:rPr lang="en-US" sz="1800" b="1" dirty="0" err="1"/>
+              <a:t>Gennadiy</a:t>
+            </a:r>
+            <a:r>
+              <a:rPr lang="en-US" sz="1800" b="1" dirty="0"/>
+              <a:t>, </a:t>
+            </a:r>
+            <a:r>
+              <a:rPr lang="en-US" sz="1800" b="1" dirty="0" err="1"/>
+              <a:t>Kerim</a:t>
+            </a:r>
+            <a:r>
+              <a:rPr lang="en-US" sz="1800" b="1" dirty="0"/>
+              <a:t>, </a:t>
+            </a:r>
+            <a:r>
+              <a:rPr lang="en-US" sz="1800" b="1" dirty="0" err="1"/>
+              <a:t>Desislava</a:t>
+            </a:r>
+            <a:r>
+              <a:rPr lang="en-US" sz="1800" b="1" dirty="0"/>
+              <a:t>, </a:t>
+            </a:r>
+            <a:r>
+              <a:rPr lang="en-US" sz="1800" b="1" dirty="0" err="1"/>
+              <a:t>viktor</a:t>
+            </a:r>
+            <a:r>
+              <a:rPr lang="en-US" sz="1800" b="1" dirty="0"/>
+              <a:t>, Aleksandar, </a:t>
+            </a:r>
+            <a:br>
+              <a:rPr lang="en-US" sz="1800" b="1" dirty="0"/>
+            </a:br>
+            <a:r>
+              <a:rPr lang="en-US" sz="1800" b="1" dirty="0" err="1"/>
+              <a:t>Miroslava</a:t>
+            </a:r>
+            <a:r>
+              <a:rPr lang="en-US" sz="1800" b="1" dirty="0"/>
+              <a:t>, Atanas, Vladimir, </a:t>
+            </a:r>
+            <a:r>
+              <a:rPr lang="en-US" sz="1800" b="1" dirty="0" err="1"/>
+              <a:t>Bilyan</a:t>
+            </a:r>
+            <a:r>
+              <a:rPr lang="en-US" sz="1800" b="1" dirty="0"/>
+              <a:t>, Svetoslav, </a:t>
+            </a:r>
+            <a:r>
+              <a:rPr lang="en-US" sz="1800" b="1" dirty="0" err="1"/>
+              <a:t>Antoniya</a:t>
+            </a:r>
+            <a:r>
+              <a:rPr lang="en-US" sz="1800" b="1" dirty="0"/>
+              <a:t>, </a:t>
+            </a:r>
+            <a:r>
+              <a:rPr lang="en-US" sz="1800" b="1" dirty="0" err="1"/>
+              <a:t>Emanuil</a:t>
+            </a:r>
+            <a:r>
+              <a:rPr lang="en-US" sz="1800" b="1" dirty="0"/>
+              <a:t>, Valentin, Nikolay,</a:t>
+            </a:r>
+            <a:br>
+              <a:rPr lang="en-US" sz="1800" b="1" dirty="0"/>
+            </a:br>
+            <a:r>
+              <a:rPr lang="en-US" sz="1800" b="1" dirty="0"/>
+              <a:t>Konstantin, Stefan</a:t>
             </a:r>
           </a:p>
           <a:p>
@@ -19295,7 +19385,439 @@
             </a:pPr>
             <a:r>
               <a:rPr lang="en-US" sz="1400" dirty="0"/>
-              <a:t>Thanks also to – </a:t>
+              <a:t>Thanks also to – Angel, Nikolay, Kalin, Aleksandar, Nikolay, </a:t>
+            </a:r>
+            <a:r>
+              <a:rPr lang="en-US" sz="1400" dirty="0" err="1"/>
+              <a:t>Tsvetoslav</a:t>
+            </a:r>
+            <a:r>
+              <a:rPr lang="en-US" sz="1400" dirty="0"/>
+              <a:t>, Pavel, Philip, Zdravko, </a:t>
+            </a:r>
+            <a:br>
+              <a:rPr lang="en-US" sz="1400" dirty="0"/>
+            </a:br>
+            <a:r>
+              <a:rPr lang="en-US" sz="1400" dirty="0" err="1"/>
+              <a:t>Hristo</a:t>
+            </a:r>
+            <a:r>
+              <a:rPr lang="en-US" sz="1400" dirty="0"/>
+              <a:t>, </a:t>
+            </a:r>
+            <a:r>
+              <a:rPr lang="en-US" sz="1400" dirty="0" err="1"/>
+              <a:t>Krasimir</a:t>
+            </a:r>
+            <a:r>
+              <a:rPr lang="en-US" sz="1400" dirty="0"/>
+              <a:t>, Daniel, Stefan, Peter, Kristian, </a:t>
+            </a:r>
+            <a:r>
+              <a:rPr lang="en-US" sz="1400" dirty="0" err="1"/>
+              <a:t>Iliyan</a:t>
+            </a:r>
+            <a:r>
+              <a:rPr lang="en-US" sz="1400" dirty="0"/>
+              <a:t>, </a:t>
+            </a:r>
+            <a:r>
+              <a:rPr lang="en-US" sz="1400" dirty="0" err="1"/>
+              <a:t>Volen</a:t>
+            </a:r>
+            <a:r>
+              <a:rPr lang="en-US" sz="1400" dirty="0"/>
+              <a:t>, </a:t>
+            </a:r>
+            <a:r>
+              <a:rPr lang="en-US" sz="1400" dirty="0" err="1"/>
+              <a:t>Boyan</a:t>
+            </a:r>
+            <a:r>
+              <a:rPr lang="en-US" sz="1400" dirty="0"/>
+              <a:t>, </a:t>
+            </a:r>
+            <a:r>
+              <a:rPr lang="bg-BG" sz="1400" dirty="0"/>
+              <a:t>Филип, </a:t>
+            </a:r>
+            <a:r>
+              <a:rPr lang="en-US" sz="1400" dirty="0" err="1"/>
+              <a:t>Yavor</a:t>
+            </a:r>
+            <a:r>
+              <a:rPr lang="en-US" sz="1400" dirty="0"/>
+              <a:t>, Ruslan, </a:t>
+            </a:r>
+            <a:r>
+              <a:rPr lang="bg-BG" sz="1400" dirty="0" err="1"/>
+              <a:t>Николаи</a:t>
+            </a:r>
+            <a:r>
+              <a:rPr lang="bg-BG" sz="1400" dirty="0"/>
+              <a:t>̆,</a:t>
+            </a:r>
+            <a:br>
+              <a:rPr lang="en-US" sz="1400" dirty="0"/>
+            </a:br>
+            <a:r>
+              <a:rPr lang="bg-BG" sz="1400" dirty="0"/>
+              <a:t> </a:t>
+            </a:r>
+            <a:r>
+              <a:rPr lang="en-US" sz="1400" dirty="0"/>
+              <a:t>Georgi, </a:t>
+            </a:r>
+            <a:r>
+              <a:rPr lang="en-US" sz="1400" dirty="0" err="1"/>
+              <a:t>Dimitar</a:t>
+            </a:r>
+            <a:r>
+              <a:rPr lang="en-US" sz="1400" dirty="0"/>
+              <a:t>, Pavel, </a:t>
+            </a:r>
+            <a:r>
+              <a:rPr lang="en-US" sz="1400" dirty="0" err="1"/>
+              <a:t>Petar</a:t>
+            </a:r>
+            <a:r>
+              <a:rPr lang="en-US" sz="1400" dirty="0"/>
+              <a:t>, </a:t>
+            </a:r>
+            <a:r>
+              <a:rPr lang="en-US" sz="1400" dirty="0" err="1"/>
+              <a:t>Stoil</a:t>
+            </a:r>
+            <a:r>
+              <a:rPr lang="en-US" sz="1400" dirty="0"/>
+              <a:t>, Vladislav, </a:t>
+            </a:r>
+            <a:r>
+              <a:rPr lang="en-US" sz="1400" dirty="0" err="1"/>
+              <a:t>Veselin</a:t>
+            </a:r>
+            <a:r>
+              <a:rPr lang="en-US" sz="1400" dirty="0"/>
+              <a:t>, </a:t>
+            </a:r>
+            <a:r>
+              <a:rPr lang="en-US" sz="1400" dirty="0" err="1"/>
+              <a:t>Teodor</a:t>
+            </a:r>
+            <a:r>
+              <a:rPr lang="en-US" sz="1400" dirty="0"/>
+              <a:t>, </a:t>
+            </a:r>
+            <a:r>
+              <a:rPr lang="en-US" sz="1400" dirty="0" err="1"/>
+              <a:t>Hristo</a:t>
+            </a:r>
+            <a:r>
+              <a:rPr lang="en-US" sz="1400" dirty="0"/>
+              <a:t>, Robert, Pavel, Viktoria, Gergana, </a:t>
+            </a:r>
+            <a:br>
+              <a:rPr lang="en-US" sz="1400" dirty="0"/>
+            </a:br>
+            <a:r>
+              <a:rPr lang="en-US" sz="1400" dirty="0" err="1"/>
+              <a:t>Petar</a:t>
+            </a:r>
+            <a:r>
+              <a:rPr lang="en-US" sz="1400" dirty="0"/>
+              <a:t>, </a:t>
+            </a:r>
+            <a:r>
+              <a:rPr lang="en-US" sz="1400" dirty="0" err="1"/>
+              <a:t>Stoyan</a:t>
+            </a:r>
+            <a:r>
+              <a:rPr lang="en-US" sz="1400" dirty="0"/>
+              <a:t>, </a:t>
+            </a:r>
+            <a:r>
+              <a:rPr lang="en-US" sz="1400" dirty="0" err="1"/>
+              <a:t>Stoyan</a:t>
+            </a:r>
+            <a:r>
+              <a:rPr lang="en-US" sz="1400" dirty="0"/>
+              <a:t>, </a:t>
+            </a:r>
+            <a:r>
+              <a:rPr lang="en-US" sz="1400" dirty="0" err="1"/>
+              <a:t>Veselin</a:t>
+            </a:r>
+            <a:r>
+              <a:rPr lang="en-US" sz="1400" dirty="0"/>
+              <a:t>, </a:t>
+            </a:r>
+            <a:r>
+              <a:rPr lang="bg-BG" sz="1400" dirty="0"/>
+              <a:t>Коста, </a:t>
+            </a:r>
+            <a:r>
+              <a:rPr lang="en-US" sz="1400" dirty="0"/>
+              <a:t>Mira, Ivaylo, Ivo, </a:t>
+            </a:r>
+            <a:r>
+              <a:rPr lang="bg-BG" sz="1400" dirty="0"/>
+              <a:t>Красимир, </a:t>
+            </a:r>
+            <a:r>
+              <a:rPr lang="en-US" sz="1400" dirty="0"/>
+              <a:t>Teodora, </a:t>
+            </a:r>
+            <a:r>
+              <a:rPr lang="bg-BG" sz="1400" dirty="0"/>
+              <a:t>Свилен, </a:t>
+            </a:r>
+            <a:r>
+              <a:rPr lang="en-US" sz="1400" dirty="0"/>
+              <a:t>Svetoslav, </a:t>
+            </a:r>
+            <a:r>
+              <a:rPr lang="bg-BG" sz="1400" dirty="0"/>
+              <a:t>Петър, </a:t>
+            </a:r>
+            <a:br>
+              <a:rPr lang="en-US" sz="1400" dirty="0"/>
+            </a:br>
+            <a:r>
+              <a:rPr lang="en-US" sz="1400" dirty="0" err="1"/>
+              <a:t>Plamen</a:t>
+            </a:r>
+            <a:r>
+              <a:rPr lang="en-US" sz="1400" dirty="0"/>
+              <a:t>, Dobromir, Nikolay, </a:t>
+            </a:r>
+            <a:r>
+              <a:rPr lang="bg-BG" sz="1400" dirty="0"/>
+              <a:t>Даниел, </a:t>
+            </a:r>
+            <a:r>
+              <a:rPr lang="en-US" sz="1400" dirty="0"/>
+              <a:t>Ivan, Sava, Dmitriy, </a:t>
+            </a:r>
+            <a:r>
+              <a:rPr lang="bg-BG" sz="1400" dirty="0"/>
+              <a:t>Кирил, </a:t>
+            </a:r>
+            <a:r>
+              <a:rPr lang="en-US" sz="1400" dirty="0"/>
+              <a:t>EMIL, </a:t>
+            </a:r>
+            <a:r>
+              <a:rPr lang="en-US" sz="1400" dirty="0" err="1"/>
+              <a:t>Tihomir</a:t>
+            </a:r>
+            <a:r>
+              <a:rPr lang="en-US" sz="1400" dirty="0"/>
+              <a:t>, </a:t>
+            </a:r>
+            <a:r>
+              <a:rPr lang="en-US" sz="1400" dirty="0" err="1"/>
+              <a:t>Ivanela</a:t>
+            </a:r>
+            <a:r>
+              <a:rPr lang="en-US" sz="1400" dirty="0"/>
+              <a:t>, </a:t>
+            </a:r>
+            <a:r>
+              <a:rPr lang="en-US" sz="1400" dirty="0" err="1"/>
+              <a:t>pirin</a:t>
+            </a:r>
+            <a:r>
+              <a:rPr lang="en-US" sz="1400" dirty="0"/>
+              <a:t>, Georgi,</a:t>
+            </a:r>
+            <a:br>
+              <a:rPr lang="en-US" sz="1400" dirty="0"/>
+            </a:br>
+            <a:r>
+              <a:rPr lang="en-US" sz="1400" dirty="0"/>
+              <a:t> Georgi, Alexander, Simona, </a:t>
+            </a:r>
+            <a:r>
+              <a:rPr lang="en-US" sz="1400" dirty="0" err="1"/>
+              <a:t>Hristo</a:t>
+            </a:r>
+            <a:r>
+              <a:rPr lang="en-US" sz="1400" dirty="0"/>
+              <a:t>, Vladimir, </a:t>
+            </a:r>
+            <a:r>
+              <a:rPr lang="bg-BG" sz="1400" dirty="0"/>
+              <a:t>Димитър, </a:t>
+            </a:r>
+            <a:r>
+              <a:rPr lang="en-US" sz="1400" dirty="0"/>
+              <a:t>Ivan, Kristian, Zlatko, </a:t>
+            </a:r>
+            <a:r>
+              <a:rPr lang="bg-BG" sz="1400" dirty="0"/>
+              <a:t>Атанас, </a:t>
+            </a:r>
+            <a:r>
+              <a:rPr lang="en-US" sz="1400" dirty="0"/>
+              <a:t>Marin, </a:t>
+            </a:r>
+            <a:r>
+              <a:rPr lang="en-US" sz="1400" dirty="0" err="1"/>
+              <a:t>Radoslav</a:t>
+            </a:r>
+            <a:r>
+              <a:rPr lang="en-US" sz="1400" dirty="0"/>
+              <a:t>, </a:t>
+            </a:r>
+            <a:br>
+              <a:rPr lang="en-US" sz="1400" dirty="0"/>
+            </a:br>
+            <a:r>
+              <a:rPr lang="en-US" sz="1400" dirty="0" err="1"/>
+              <a:t>Dimitar</a:t>
+            </a:r>
+            <a:r>
+              <a:rPr lang="en-US" sz="1400" dirty="0"/>
+              <a:t>, </a:t>
+            </a:r>
+            <a:r>
+              <a:rPr lang="en-US" sz="1400" dirty="0" err="1"/>
+              <a:t>Velislav</a:t>
+            </a:r>
+            <a:r>
+              <a:rPr lang="en-US" sz="1400" dirty="0"/>
+              <a:t>, </a:t>
+            </a:r>
+            <a:r>
+              <a:rPr lang="en-US" sz="1400" dirty="0" err="1"/>
+              <a:t>darin</a:t>
+            </a:r>
+            <a:r>
+              <a:rPr lang="en-US" sz="1400" dirty="0"/>
+              <a:t>, Martin, </a:t>
+            </a:r>
+            <a:r>
+              <a:rPr lang="en-US" sz="1400" dirty="0" err="1"/>
+              <a:t>Yavor</a:t>
+            </a:r>
+            <a:r>
+              <a:rPr lang="en-US" sz="1400" dirty="0"/>
+              <a:t>, </a:t>
+            </a:r>
+            <a:r>
+              <a:rPr lang="en-US" sz="1400" dirty="0" err="1"/>
+              <a:t>Yulian</a:t>
+            </a:r>
+            <a:r>
+              <a:rPr lang="en-US" sz="1400" dirty="0"/>
+              <a:t>, Grigoris, </a:t>
+            </a:r>
+            <a:r>
+              <a:rPr lang="en-US" sz="1400" dirty="0" err="1"/>
+              <a:t>Petar</a:t>
+            </a:r>
+            <a:r>
+              <a:rPr lang="en-US" sz="1400" dirty="0"/>
+              <a:t>, </a:t>
+            </a:r>
+            <a:r>
+              <a:rPr lang="en-US" sz="1400" dirty="0" err="1"/>
+              <a:t>Stoyan</a:t>
+            </a:r>
+            <a:r>
+              <a:rPr lang="en-US" sz="1400" dirty="0"/>
+              <a:t>, </a:t>
+            </a:r>
+            <a:r>
+              <a:rPr lang="en-US" sz="1400" dirty="0" err="1"/>
+              <a:t>Lubomir</a:t>
+            </a:r>
+            <a:r>
+              <a:rPr lang="en-US" sz="1400" dirty="0"/>
+              <a:t>, KONSTANTIN, Emil, </a:t>
+            </a:r>
+            <a:r>
+              <a:rPr lang="bg-BG" sz="1400" dirty="0"/>
+              <a:t>Петьо,</a:t>
+            </a:r>
+            <a:br>
+              <a:rPr lang="en-US" sz="1400" dirty="0"/>
+            </a:br>
+            <a:r>
+              <a:rPr lang="bg-BG" sz="1400" dirty="0"/>
+              <a:t> </a:t>
+            </a:r>
+            <a:r>
+              <a:rPr lang="en-US" sz="1400" dirty="0" err="1"/>
+              <a:t>Svilen</a:t>
+            </a:r>
+            <a:r>
+              <a:rPr lang="en-US" sz="1400" dirty="0"/>
+              <a:t>, Martin, </a:t>
+            </a:r>
+            <a:r>
+              <a:rPr lang="en-US" sz="1400" dirty="0" err="1"/>
+              <a:t>Hristo</a:t>
+            </a:r>
+            <a:r>
+              <a:rPr lang="en-US" sz="1400" dirty="0"/>
+              <a:t>, Nikolai, </a:t>
+            </a:r>
+            <a:r>
+              <a:rPr lang="en-US" sz="1400" dirty="0" err="1"/>
+              <a:t>Ilian</a:t>
+            </a:r>
+            <a:r>
+              <a:rPr lang="en-US" sz="1400" dirty="0"/>
+              <a:t>, Marin, </a:t>
+            </a:r>
+            <a:r>
+              <a:rPr lang="en-US" sz="1400" dirty="0" err="1"/>
+              <a:t>Hristina</a:t>
+            </a:r>
+            <a:r>
+              <a:rPr lang="en-US" sz="1400" dirty="0"/>
+              <a:t>, Vasil, Marin, Georgi, </a:t>
+            </a:r>
+            <a:r>
+              <a:rPr lang="en-US" sz="1400" dirty="0" err="1"/>
+              <a:t>Ivailo</a:t>
+            </a:r>
+            <a:r>
+              <a:rPr lang="en-US" sz="1400" dirty="0"/>
+              <a:t>, Todor, </a:t>
+            </a:r>
+            <a:r>
+              <a:rPr lang="en-US" sz="1400" dirty="0" err="1"/>
+              <a:t>Ilina</a:t>
+            </a:r>
+            <a:r>
+              <a:rPr lang="en-US" sz="1400" dirty="0"/>
+              <a:t>, </a:t>
+            </a:r>
+            <a:r>
+              <a:rPr lang="bg-BG" sz="1400" dirty="0" err="1"/>
+              <a:t>Николаи</a:t>
+            </a:r>
+            <a:r>
+              <a:rPr lang="bg-BG" sz="1400" dirty="0"/>
+              <a:t>̆, </a:t>
+            </a:r>
+            <a:br>
+              <a:rPr lang="en-US" sz="1400" dirty="0"/>
+            </a:br>
+            <a:r>
+              <a:rPr lang="en-US" sz="1400" dirty="0" err="1"/>
+              <a:t>Andreyan</a:t>
+            </a:r>
+            <a:r>
+              <a:rPr lang="en-US" sz="1400" dirty="0"/>
+              <a:t>, Georgi, </a:t>
+            </a:r>
+            <a:r>
+              <a:rPr lang="en-US" sz="1400" dirty="0" err="1"/>
+              <a:t>Stoyan</a:t>
             </a:r>
             <a:endParaRPr lang="en-US" sz="1800" dirty="0"/>
           </a:p>

--- a/Presentation.pptx
+++ b/Presentation.pptx
@@ -24814,7 +24814,7 @@
             </a:pPr>
             <a:r>
               <a:rPr lang="en-US" dirty="0"/>
-              <a:t>Step-by-step guidebook about building “clean” apps (20+ pages)</a:t>
+              <a:t>Step-by-step guidebook about building “clean” apps (70+ pages)</a:t>
             </a:r>
           </a:p>
           <a:p>
